--- a/entropy/Entropy Overview.pptx
+++ b/entropy/Entropy Overview.pptx
@@ -109,6 +109,11 @@
       </a:defRPr>
     </a:lvl9pPr>
   </p:defaultTextStyle>
+  <p:extLst>
+    <p:ext uri="{EFAFB233-063F-42B5-8137-9DF3F51BA10A}">
+      <p15:sldGuideLst xmlns:p15="http://schemas.microsoft.com/office/powerpoint/2012/main"/>
+    </p:ext>
+  </p:extLst>
 </p:presentation>
 </file>
 
@@ -4273,151 +4278,131 @@
         <p:spPr/>
         <p:txBody>
           <a:bodyPr>
-            <a:normAutofit fontScale="92500" lnSpcReduction="20000"/>
+            <a:normAutofit fontScale="70000" lnSpcReduction="20000"/>
           </a:bodyPr>
           <a:lstStyle/>
           <a:p>
             <a:r>
-              <a:rPr lang="en-US" dirty="0">
-                <a:effectLst/>
-              </a:rPr>
+              <a:rPr lang="en-US" dirty="0"/>
               <a:t>[1]</a:t>
             </a:r>
           </a:p>
           <a:p>
             <a:r>
-              <a:rPr lang="en-US" dirty="0">
-                <a:effectLst/>
-              </a:rPr>
+              <a:rPr lang="en-US" dirty="0"/>
+              <a:t>D. Harte and D. Vere-Jones, “The Entropy Score and its Uses in Earthquake Forecasting,” </a:t>
+            </a:r>
+            <a:r>
+              <a:rPr lang="en-US" i="1" dirty="0"/>
+              <a:t>Pure and Applied Geophysics</a:t>
+            </a:r>
+            <a:r>
+              <a:rPr lang="en-US" dirty="0"/>
+              <a:t>, vol. 162, no. 6–7, pp. 1229–1253, Jun. 2005.</a:t>
+            </a:r>
+          </a:p>
+          <a:p>
+            <a:r>
+              <a:rPr lang="en-US" dirty="0"/>
+              <a:t>[2]</a:t>
+            </a:r>
+          </a:p>
+          <a:p>
+            <a:r>
+              <a:rPr lang="en-US" dirty="0"/>
               <a:t>“Entropy in thermodynamics and information theory,” </a:t>
             </a:r>
             <a:r>
-              <a:rPr lang="en-US" i="1" dirty="0">
-                <a:effectLst/>
-              </a:rPr>
+              <a:rPr lang="en-US" i="1" dirty="0"/>
               <a:t>Wikipedia</a:t>
             </a:r>
             <a:r>
-              <a:rPr lang="en-US" dirty="0">
-                <a:effectLst/>
-              </a:rPr>
+              <a:rPr lang="en-US" dirty="0"/>
               <a:t>. 26-Apr-2018.</a:t>
             </a:r>
           </a:p>
           <a:p>
             <a:r>
-              <a:rPr lang="en-US" dirty="0">
-                <a:effectLst/>
-              </a:rPr>
-              <a:t>[2]</a:t>
-            </a:r>
-          </a:p>
-          <a:p>
-            <a:r>
-              <a:rPr lang="en-US" dirty="0">
-                <a:effectLst/>
-              </a:rPr>
+              <a:rPr lang="en-US" dirty="0"/>
+              <a:t>[3]</a:t>
+            </a:r>
+          </a:p>
+          <a:p>
+            <a:r>
+              <a:rPr lang="en-US" dirty="0"/>
               <a:t>“Entropy,” </a:t>
             </a:r>
             <a:r>
-              <a:rPr lang="en-US" i="1" dirty="0">
-                <a:effectLst/>
-              </a:rPr>
+              <a:rPr lang="en-US" i="1" dirty="0"/>
               <a:t>Wikipedia</a:t>
             </a:r>
             <a:r>
-              <a:rPr lang="en-US" dirty="0">
-                <a:effectLst/>
-              </a:rPr>
+              <a:rPr lang="en-US" dirty="0"/>
               <a:t>. 27-Apr-2018.</a:t>
             </a:r>
           </a:p>
           <a:p>
             <a:r>
-              <a:rPr lang="en-US" dirty="0">
-                <a:effectLst/>
-              </a:rPr>
-              <a:t>[3]</a:t>
-            </a:r>
-          </a:p>
-          <a:p>
-            <a:r>
-              <a:rPr lang="en-US" dirty="0">
-                <a:effectLst/>
-              </a:rPr>
+              <a:rPr lang="en-US" dirty="0"/>
+              <a:t>[4]</a:t>
+            </a:r>
+          </a:p>
+          <a:p>
+            <a:r>
+              <a:rPr lang="en-US" dirty="0"/>
               <a:t>“Entropy (energy dispersal),” </a:t>
             </a:r>
             <a:r>
-              <a:rPr lang="en-US" i="1" dirty="0">
-                <a:effectLst/>
-              </a:rPr>
+              <a:rPr lang="en-US" i="1" dirty="0"/>
               <a:t>Wikipedia</a:t>
             </a:r>
             <a:r>
-              <a:rPr lang="en-US" dirty="0">
-                <a:effectLst/>
-              </a:rPr>
+              <a:rPr lang="en-US" dirty="0"/>
               <a:t>. 01-May-2018.</a:t>
             </a:r>
           </a:p>
           <a:p>
             <a:r>
-              <a:rPr lang="en-US" dirty="0">
-                <a:effectLst/>
-              </a:rPr>
-              <a:t>[4]</a:t>
-            </a:r>
-          </a:p>
-          <a:p>
-            <a:r>
-              <a:rPr lang="en-US" dirty="0">
-                <a:effectLst/>
-              </a:rPr>
+              <a:rPr lang="en-US" dirty="0"/>
+              <a:t>[5]</a:t>
+            </a:r>
+          </a:p>
+          <a:p>
+            <a:r>
+              <a:rPr lang="en-US" dirty="0"/>
               <a:t>“Introduction to entropy,” </a:t>
             </a:r>
             <a:r>
-              <a:rPr lang="en-US" i="1" dirty="0">
-                <a:effectLst/>
-              </a:rPr>
+              <a:rPr lang="en-US" i="1" dirty="0"/>
               <a:t>Wikipedia</a:t>
             </a:r>
             <a:r>
-              <a:rPr lang="en-US" dirty="0">
-                <a:effectLst/>
-              </a:rPr>
+              <a:rPr lang="en-US" dirty="0"/>
               <a:t>. 02-May-2018.</a:t>
             </a:r>
           </a:p>
           <a:p>
             <a:r>
-              <a:rPr lang="en-US" dirty="0">
-                <a:effectLst/>
-              </a:rPr>
-              <a:t>[5]</a:t>
-            </a:r>
-          </a:p>
-          <a:p>
-            <a:r>
-              <a:rPr lang="en-US" dirty="0">
-                <a:effectLst/>
-              </a:rPr>
+              <a:rPr lang="en-US" dirty="0"/>
+              <a:t>[6]</a:t>
+            </a:r>
+          </a:p>
+          <a:p>
+            <a:r>
+              <a:rPr lang="en-US" dirty="0"/>
               <a:t>“Entropy (information theory),” </a:t>
             </a:r>
             <a:r>
-              <a:rPr lang="en-US" i="1" dirty="0">
-                <a:effectLst/>
-              </a:rPr>
+              <a:rPr lang="en-US" i="1" dirty="0"/>
               <a:t>Wikipedia</a:t>
             </a:r>
             <a:r>
-              <a:rPr lang="en-US" dirty="0">
-                <a:effectLst/>
-              </a:rPr>
+              <a:rPr lang="en-US" dirty="0"/>
               <a:t>. 03-May-2018.</a:t>
             </a:r>
-          </a:p>
-          <a:p>
-            <a:endParaRPr lang="en-US" dirty="0"/>
+            <a:endParaRPr lang="en-US" dirty="0">
+              <a:effectLst/>
+            </a:endParaRPr>
           </a:p>
         </p:txBody>
       </p:sp>
